--- a/make_presentation/templates/templates/classic/_14.pptx
+++ b/make_presentation/templates/templates/classic/_14.pptx
@@ -305,7 +305,7 @@
             <a:pPr algn="r">
               <a:buNone/>
             </a:pPr>
-            <a:fld id="{46795B65-44B1-441C-B4E8-371FC3668806}" type="slidenum">
+            <a:fld id="{1941076F-8442-4C39-B63C-B163CEF8BCDD}" type="slidenum">
               <a:rPr b="0" lang="en-US" sz="1400" spc="-1" strike="noStrike">
                 <a:latin typeface="Times New Roman"/>
               </a:rPr>
@@ -353,7 +353,7 @@
         <p:spPr>
           <a:xfrm>
             <a:off x="380880" y="685800"/>
-            <a:ext cx="6093000" cy="3426120"/>
+            <a:ext cx="6092640" cy="3425760"/>
           </a:xfrm>
           <a:prstGeom prst="rect">
             <a:avLst/>
@@ -376,7 +376,7 @@
         <p:spPr>
           <a:xfrm>
             <a:off x="685800" y="4343400"/>
-            <a:ext cx="5483520" cy="4111920"/>
+            <a:ext cx="5483160" cy="4111560"/>
           </a:xfrm>
           <a:prstGeom prst="rect">
             <a:avLst/>
@@ -410,7 +410,7 @@
         <p:spPr>
           <a:xfrm>
             <a:off x="3884760" y="8685360"/>
-            <a:ext cx="2968920" cy="454320"/>
+            <a:ext cx="2968560" cy="453960"/>
           </a:xfrm>
           <a:prstGeom prst="rect">
             <a:avLst/>
@@ -446,7 +446,7 @@
               </a:lnSpc>
               <a:buNone/>
             </a:pPr>
-            <a:fld id="{718C3067-BAF4-42AD-AF65-4B7E2266D415}" type="slidenum">
+            <a:fld id="{2BFFE8D2-4165-479C-94C6-6952E6A57C9B}" type="slidenum">
               <a:rPr b="0" lang="en-US" sz="1200" spc="-1" strike="noStrike">
                 <a:solidFill>
                   <a:srgbClr val="000000"/>
@@ -497,7 +497,7 @@
         <p:spPr>
           <a:xfrm>
             <a:off x="380880" y="685800"/>
-            <a:ext cx="6093000" cy="3426120"/>
+            <a:ext cx="6092640" cy="3425760"/>
           </a:xfrm>
           <a:prstGeom prst="rect">
             <a:avLst/>
@@ -520,7 +520,7 @@
         <p:spPr>
           <a:xfrm>
             <a:off x="685800" y="4343400"/>
-            <a:ext cx="5483520" cy="4111920"/>
+            <a:ext cx="5483160" cy="4111560"/>
           </a:xfrm>
           <a:prstGeom prst="rect">
             <a:avLst/>
@@ -554,7 +554,7 @@
         <p:spPr>
           <a:xfrm>
             <a:off x="3884760" y="8685360"/>
-            <a:ext cx="2968920" cy="454320"/>
+            <a:ext cx="2968560" cy="453960"/>
           </a:xfrm>
           <a:prstGeom prst="rect">
             <a:avLst/>
@@ -590,7 +590,7 @@
               </a:lnSpc>
               <a:buNone/>
             </a:pPr>
-            <a:fld id="{7308AF0A-61DF-4D6F-AB40-7C8936F6A981}" type="slidenum">
+            <a:fld id="{720A2EC9-B117-4A09-8ED1-3B52DD481ED0}" type="slidenum">
               <a:rPr b="0" lang="en-US" sz="1200" spc="-1" strike="noStrike">
                 <a:solidFill>
                   <a:srgbClr val="000000"/>
@@ -641,7 +641,7 @@
         <p:spPr>
           <a:xfrm>
             <a:off x="380880" y="685800"/>
-            <a:ext cx="6093000" cy="3426120"/>
+            <a:ext cx="6092640" cy="3425760"/>
           </a:xfrm>
           <a:prstGeom prst="rect">
             <a:avLst/>
@@ -664,7 +664,7 @@
         <p:spPr>
           <a:xfrm>
             <a:off x="685800" y="4343400"/>
-            <a:ext cx="5483520" cy="4111920"/>
+            <a:ext cx="5483160" cy="4111560"/>
           </a:xfrm>
           <a:prstGeom prst="rect">
             <a:avLst/>
@@ -698,7 +698,7 @@
         <p:spPr>
           <a:xfrm>
             <a:off x="3884760" y="8685360"/>
-            <a:ext cx="2968920" cy="454320"/>
+            <a:ext cx="2968560" cy="453960"/>
           </a:xfrm>
           <a:prstGeom prst="rect">
             <a:avLst/>
@@ -734,7 +734,7 @@
               </a:lnSpc>
               <a:buNone/>
             </a:pPr>
-            <a:fld id="{4B4E97EA-31AB-4B2F-864E-82D46D450C6C}" type="slidenum">
+            <a:fld id="{046576A7-32D6-4499-B865-E2F30D757DF0}" type="slidenum">
               <a:rPr b="0" lang="en-US" sz="1200" spc="-1" strike="noStrike">
                 <a:solidFill>
                   <a:srgbClr val="000000"/>
@@ -785,7 +785,7 @@
         <p:spPr>
           <a:xfrm>
             <a:off x="380880" y="685800"/>
-            <a:ext cx="6093000" cy="3426120"/>
+            <a:ext cx="6092640" cy="3425760"/>
           </a:xfrm>
           <a:prstGeom prst="rect">
             <a:avLst/>
@@ -808,7 +808,7 @@
         <p:spPr>
           <a:xfrm>
             <a:off x="685800" y="4343400"/>
-            <a:ext cx="5483520" cy="4111920"/>
+            <a:ext cx="5483160" cy="4111560"/>
           </a:xfrm>
           <a:prstGeom prst="rect">
             <a:avLst/>
@@ -842,7 +842,7 @@
         <p:spPr>
           <a:xfrm>
             <a:off x="3884760" y="8685360"/>
-            <a:ext cx="2968920" cy="454320"/>
+            <a:ext cx="2968560" cy="453960"/>
           </a:xfrm>
           <a:prstGeom prst="rect">
             <a:avLst/>
@@ -878,7 +878,7 @@
               </a:lnSpc>
               <a:buNone/>
             </a:pPr>
-            <a:fld id="{A5752C92-ED8F-4FEE-A917-1E5C6FF733E3}" type="slidenum">
+            <a:fld id="{EA34903B-53F6-45EB-9BC9-9F3E5411D674}" type="slidenum">
               <a:rPr b="0" lang="en-US" sz="1200" spc="-1" strike="noStrike">
                 <a:solidFill>
                   <a:srgbClr val="000000"/>
@@ -929,7 +929,7 @@
         <p:spPr>
           <a:xfrm>
             <a:off x="380880" y="685800"/>
-            <a:ext cx="6093000" cy="3426120"/>
+            <a:ext cx="6092640" cy="3425760"/>
           </a:xfrm>
           <a:prstGeom prst="rect">
             <a:avLst/>
@@ -952,7 +952,7 @@
         <p:spPr>
           <a:xfrm>
             <a:off x="685800" y="4343400"/>
-            <a:ext cx="5483520" cy="4111920"/>
+            <a:ext cx="5483160" cy="4111560"/>
           </a:xfrm>
           <a:prstGeom prst="rect">
             <a:avLst/>
@@ -986,7 +986,7 @@
         <p:spPr>
           <a:xfrm>
             <a:off x="3884760" y="8685360"/>
-            <a:ext cx="2968920" cy="454320"/>
+            <a:ext cx="2968560" cy="453960"/>
           </a:xfrm>
           <a:prstGeom prst="rect">
             <a:avLst/>
@@ -1022,7 +1022,7 @@
               </a:lnSpc>
               <a:buNone/>
             </a:pPr>
-            <a:fld id="{C2B0205A-98F3-43FF-A56E-3FD336F8DDDB}" type="slidenum">
+            <a:fld id="{78BC99C5-A918-4C71-8B48-4864CEBF7077}" type="slidenum">
               <a:rPr b="0" lang="en-US" sz="1200" spc="-1" strike="noStrike">
                 <a:solidFill>
                   <a:srgbClr val="000000"/>
@@ -1073,7 +1073,7 @@
         <p:spPr>
           <a:xfrm>
             <a:off x="380880" y="685800"/>
-            <a:ext cx="6093000" cy="3426120"/>
+            <a:ext cx="6092640" cy="3425760"/>
           </a:xfrm>
           <a:prstGeom prst="rect">
             <a:avLst/>
@@ -1096,7 +1096,7 @@
         <p:spPr>
           <a:xfrm>
             <a:off x="685800" y="4343400"/>
-            <a:ext cx="5483520" cy="4111920"/>
+            <a:ext cx="5483160" cy="4111560"/>
           </a:xfrm>
           <a:prstGeom prst="rect">
             <a:avLst/>
@@ -1130,7 +1130,7 @@
         <p:spPr>
           <a:xfrm>
             <a:off x="3884760" y="8685360"/>
-            <a:ext cx="2968920" cy="454320"/>
+            <a:ext cx="2968560" cy="453960"/>
           </a:xfrm>
           <a:prstGeom prst="rect">
             <a:avLst/>
@@ -1166,7 +1166,7 @@
               </a:lnSpc>
               <a:buNone/>
             </a:pPr>
-            <a:fld id="{903BBC32-65F2-431A-8036-16DB38FB2ED9}" type="slidenum">
+            <a:fld id="{9D012702-2C56-483A-911D-5B132E8559F1}" type="slidenum">
               <a:rPr b="0" lang="en-US" sz="1200" spc="-1" strike="noStrike">
                 <a:solidFill>
                   <a:srgbClr val="000000"/>
@@ -1217,7 +1217,7 @@
         <p:spPr>
           <a:xfrm>
             <a:off x="380880" y="685800"/>
-            <a:ext cx="6093000" cy="3426120"/>
+            <a:ext cx="6092640" cy="3425760"/>
           </a:xfrm>
           <a:prstGeom prst="rect">
             <a:avLst/>
@@ -1240,7 +1240,7 @@
         <p:spPr>
           <a:xfrm>
             <a:off x="685800" y="4343400"/>
-            <a:ext cx="5483520" cy="4111920"/>
+            <a:ext cx="5483160" cy="4111560"/>
           </a:xfrm>
           <a:prstGeom prst="rect">
             <a:avLst/>
@@ -1274,7 +1274,7 @@
         <p:spPr>
           <a:xfrm>
             <a:off x="3884760" y="8685360"/>
-            <a:ext cx="2968920" cy="454320"/>
+            <a:ext cx="2968560" cy="453960"/>
           </a:xfrm>
           <a:prstGeom prst="rect">
             <a:avLst/>
@@ -1310,7 +1310,7 @@
               </a:lnSpc>
               <a:buNone/>
             </a:pPr>
-            <a:fld id="{2F54C389-B552-431D-ACDE-8E7759914365}" type="slidenum">
+            <a:fld id="{D5AC76CD-75AD-4470-B18B-55B0DB9DE162}" type="slidenum">
               <a:rPr b="0" lang="en-US" sz="1200" spc="-1" strike="noStrike">
                 <a:solidFill>
                   <a:srgbClr val="000000"/>
@@ -1361,7 +1361,7 @@
         <p:spPr>
           <a:xfrm>
             <a:off x="380880" y="685800"/>
-            <a:ext cx="6093000" cy="3426120"/>
+            <a:ext cx="6092640" cy="3425760"/>
           </a:xfrm>
           <a:prstGeom prst="rect">
             <a:avLst/>
@@ -1384,7 +1384,7 @@
         <p:spPr>
           <a:xfrm>
             <a:off x="685800" y="4343400"/>
-            <a:ext cx="5483520" cy="4111920"/>
+            <a:ext cx="5483160" cy="4111560"/>
           </a:xfrm>
           <a:prstGeom prst="rect">
             <a:avLst/>
@@ -1418,7 +1418,7 @@
         <p:spPr>
           <a:xfrm>
             <a:off x="3884760" y="8685360"/>
-            <a:ext cx="2968920" cy="454320"/>
+            <a:ext cx="2968560" cy="453960"/>
           </a:xfrm>
           <a:prstGeom prst="rect">
             <a:avLst/>
@@ -1454,7 +1454,7 @@
               </a:lnSpc>
               <a:buNone/>
             </a:pPr>
-            <a:fld id="{8F79CA20-1816-4DFA-86A1-7161F241533A}" type="slidenum">
+            <a:fld id="{12DF90B5-8FD7-44FC-8C4C-0167879743FE}" type="slidenum">
               <a:rPr b="0" lang="en-US" sz="1200" spc="-1" strike="noStrike">
                 <a:solidFill>
                   <a:srgbClr val="000000"/>
@@ -1505,7 +1505,7 @@
         <p:spPr>
           <a:xfrm>
             <a:off x="380880" y="685800"/>
-            <a:ext cx="6093000" cy="3426120"/>
+            <a:ext cx="6092640" cy="3425760"/>
           </a:xfrm>
           <a:prstGeom prst="rect">
             <a:avLst/>
@@ -1528,7 +1528,7 @@
         <p:spPr>
           <a:xfrm>
             <a:off x="685800" y="4343400"/>
-            <a:ext cx="5483520" cy="4111920"/>
+            <a:ext cx="5483160" cy="4111560"/>
           </a:xfrm>
           <a:prstGeom prst="rect">
             <a:avLst/>
@@ -1562,7 +1562,7 @@
         <p:spPr>
           <a:xfrm>
             <a:off x="3884760" y="8685360"/>
-            <a:ext cx="2968920" cy="454320"/>
+            <a:ext cx="2968560" cy="453960"/>
           </a:xfrm>
           <a:prstGeom prst="rect">
             <a:avLst/>
@@ -1598,7 +1598,7 @@
               </a:lnSpc>
               <a:buNone/>
             </a:pPr>
-            <a:fld id="{B0CF9C27-2E3D-4C45-A50C-B07EFCEFFD38}" type="slidenum">
+            <a:fld id="{B5712D4D-293A-4BDF-986E-DC32905F4693}" type="slidenum">
               <a:rPr b="0" lang="en-US" sz="1200" spc="-1" strike="noStrike">
                 <a:solidFill>
                   <a:srgbClr val="000000"/>
@@ -1649,7 +1649,7 @@
         <p:spPr>
           <a:xfrm>
             <a:off x="380880" y="685800"/>
-            <a:ext cx="6093000" cy="3426120"/>
+            <a:ext cx="6092640" cy="3425760"/>
           </a:xfrm>
           <a:prstGeom prst="rect">
             <a:avLst/>
@@ -1672,7 +1672,7 @@
         <p:spPr>
           <a:xfrm>
             <a:off x="685800" y="4343400"/>
-            <a:ext cx="5483520" cy="4111920"/>
+            <a:ext cx="5483160" cy="4111560"/>
           </a:xfrm>
           <a:prstGeom prst="rect">
             <a:avLst/>
@@ -1706,7 +1706,7 @@
         <p:spPr>
           <a:xfrm>
             <a:off x="3884760" y="8685360"/>
-            <a:ext cx="2968920" cy="454320"/>
+            <a:ext cx="2968560" cy="453960"/>
           </a:xfrm>
           <a:prstGeom prst="rect">
             <a:avLst/>
@@ -1742,7 +1742,7 @@
               </a:lnSpc>
               <a:buNone/>
             </a:pPr>
-            <a:fld id="{02549AA9-AADC-4C87-AA05-D1A063D49A43}" type="slidenum">
+            <a:fld id="{711D9F39-6BF1-4274-9C84-0D9A43BE5317}" type="slidenum">
               <a:rPr b="0" lang="en-US" sz="1200" spc="-1" strike="noStrike">
                 <a:solidFill>
                   <a:srgbClr val="000000"/>
@@ -1793,7 +1793,7 @@
         <p:spPr>
           <a:xfrm>
             <a:off x="380880" y="685800"/>
-            <a:ext cx="6093000" cy="3426120"/>
+            <a:ext cx="6092640" cy="3425760"/>
           </a:xfrm>
           <a:prstGeom prst="rect">
             <a:avLst/>
@@ -1816,7 +1816,7 @@
         <p:spPr>
           <a:xfrm>
             <a:off x="685800" y="4343400"/>
-            <a:ext cx="5483520" cy="4111920"/>
+            <a:ext cx="5483160" cy="4111560"/>
           </a:xfrm>
           <a:prstGeom prst="rect">
             <a:avLst/>
@@ -1850,7 +1850,7 @@
         <p:spPr>
           <a:xfrm>
             <a:off x="3884760" y="8685360"/>
-            <a:ext cx="2968920" cy="454320"/>
+            <a:ext cx="2968560" cy="453960"/>
           </a:xfrm>
           <a:prstGeom prst="rect">
             <a:avLst/>
@@ -1886,7 +1886,7 @@
               </a:lnSpc>
               <a:buNone/>
             </a:pPr>
-            <a:fld id="{C7822FC4-7AAD-4082-AC3B-55DFECD4127D}" type="slidenum">
+            <a:fld id="{DA65FC95-0442-4D9C-A0CA-C86CF1064E30}" type="slidenum">
               <a:rPr b="0" lang="en-US" sz="1200" spc="-1" strike="noStrike">
                 <a:solidFill>
                   <a:srgbClr val="000000"/>
@@ -1937,7 +1937,7 @@
         <p:spPr>
           <a:xfrm>
             <a:off x="380880" y="685800"/>
-            <a:ext cx="6093000" cy="3426120"/>
+            <a:ext cx="6092640" cy="3425760"/>
           </a:xfrm>
           <a:prstGeom prst="rect">
             <a:avLst/>
@@ -1960,7 +1960,7 @@
         <p:spPr>
           <a:xfrm>
             <a:off x="685800" y="4343400"/>
-            <a:ext cx="5483520" cy="4111920"/>
+            <a:ext cx="5483160" cy="4111560"/>
           </a:xfrm>
           <a:prstGeom prst="rect">
             <a:avLst/>
@@ -1994,7 +1994,7 @@
         <p:spPr>
           <a:xfrm>
             <a:off x="3884760" y="8685360"/>
-            <a:ext cx="2968920" cy="454320"/>
+            <a:ext cx="2968560" cy="453960"/>
           </a:xfrm>
           <a:prstGeom prst="rect">
             <a:avLst/>
@@ -2030,7 +2030,7 @@
               </a:lnSpc>
               <a:buNone/>
             </a:pPr>
-            <a:fld id="{3C4D96E8-DB32-47B0-A1D2-62CDDA980599}" type="slidenum">
+            <a:fld id="{779F3DAA-0E51-4C7D-8D75-9F4486B8481E}" type="slidenum">
               <a:rPr b="0" lang="en-US" sz="1200" spc="-1" strike="noStrike">
                 <a:solidFill>
                   <a:srgbClr val="000000"/>
@@ -2081,7 +2081,7 @@
         <p:spPr>
           <a:xfrm>
             <a:off x="380880" y="685800"/>
-            <a:ext cx="6093000" cy="3426120"/>
+            <a:ext cx="6092640" cy="3425760"/>
           </a:xfrm>
           <a:prstGeom prst="rect">
             <a:avLst/>
@@ -2104,7 +2104,7 @@
         <p:spPr>
           <a:xfrm>
             <a:off x="685800" y="4343400"/>
-            <a:ext cx="5483520" cy="4111920"/>
+            <a:ext cx="5483160" cy="4111560"/>
           </a:xfrm>
           <a:prstGeom prst="rect">
             <a:avLst/>
@@ -2138,7 +2138,7 @@
         <p:spPr>
           <a:xfrm>
             <a:off x="3884760" y="8685360"/>
-            <a:ext cx="2968920" cy="454320"/>
+            <a:ext cx="2968560" cy="453960"/>
           </a:xfrm>
           <a:prstGeom prst="rect">
             <a:avLst/>
@@ -2174,7 +2174,7 @@
               </a:lnSpc>
               <a:buNone/>
             </a:pPr>
-            <a:fld id="{85590296-1A5F-400E-AC51-F7779D132C10}" type="slidenum">
+            <a:fld id="{6463410F-777D-4EAF-8AD7-D3E1631824E9}" type="slidenum">
               <a:rPr b="0" lang="en-US" sz="1200" spc="-1" strike="noStrike">
                 <a:solidFill>
                   <a:srgbClr val="000000"/>
@@ -2225,7 +2225,7 @@
         <p:spPr>
           <a:xfrm>
             <a:off x="380880" y="685800"/>
-            <a:ext cx="6093000" cy="3426120"/>
+            <a:ext cx="6092640" cy="3425760"/>
           </a:xfrm>
           <a:prstGeom prst="rect">
             <a:avLst/>
@@ -2248,7 +2248,7 @@
         <p:spPr>
           <a:xfrm>
             <a:off x="685800" y="4343400"/>
-            <a:ext cx="5483520" cy="4111920"/>
+            <a:ext cx="5483160" cy="4111560"/>
           </a:xfrm>
           <a:prstGeom prst="rect">
             <a:avLst/>
@@ -2282,7 +2282,7 @@
         <p:spPr>
           <a:xfrm>
             <a:off x="3884760" y="8685360"/>
-            <a:ext cx="2968920" cy="454320"/>
+            <a:ext cx="2968560" cy="453960"/>
           </a:xfrm>
           <a:prstGeom prst="rect">
             <a:avLst/>
@@ -2318,7 +2318,7 @@
               </a:lnSpc>
               <a:buNone/>
             </a:pPr>
-            <a:fld id="{8C340A84-84B5-47D3-82DE-6EDE3AD809EF}" type="slidenum">
+            <a:fld id="{EDA441C1-BFA7-4D34-92F8-67C80280D6A1}" type="slidenum">
               <a:rPr b="0" lang="en-US" sz="1200" spc="-1" strike="noStrike">
                 <a:solidFill>
                   <a:srgbClr val="000000"/>
@@ -2390,7 +2390,7 @@
         <p:txBody>
           <a:bodyPr/>
           <a:p>
-            <a:fld id="{AED25131-D6E2-4D65-AEAC-C9579B063D42}" type="slidenum">
+            <a:fld id="{65D24FDC-6315-4685-B6E4-F0E097D649D3}" type="slidenum">
               <a:t>&lt;#&gt;</a:t>
             </a:fld>
           </a:p>
@@ -2578,7 +2578,7 @@
         <p:txBody>
           <a:bodyPr/>
           <a:p>
-            <a:fld id="{4A6F26D3-EC58-45E5-A26D-7B3D13328D92}" type="slidenum">
+            <a:fld id="{309EBA1E-85D2-4A72-A01E-BE8C72B56F53}" type="slidenum">
               <a:t>&lt;#&gt;</a:t>
             </a:fld>
           </a:p>
@@ -2834,7 +2834,7 @@
         <p:txBody>
           <a:bodyPr/>
           <a:p>
-            <a:fld id="{1C8784B7-44EA-4AC8-BABD-9E6199D883DA}" type="slidenum">
+            <a:fld id="{F8E75AF5-3962-4887-80C7-619286610AA9}" type="slidenum">
               <a:t>&lt;#&gt;</a:t>
             </a:fld>
           </a:p>
@@ -3158,7 +3158,7 @@
         <p:txBody>
           <a:bodyPr/>
           <a:p>
-            <a:fld id="{2990F910-0998-425A-B8CE-06CC161FF808}" type="slidenum">
+            <a:fld id="{ABF9A38B-570D-41AA-A374-5DE5BBD62649}" type="slidenum">
               <a:t>&lt;#&gt;</a:t>
             </a:fld>
           </a:p>
@@ -3315,7 +3315,7 @@
         <p:txBody>
           <a:bodyPr/>
           <a:p>
-            <a:fld id="{5740EAE9-80F9-4DA5-AE32-7A33F14E672F}" type="slidenum">
+            <a:fld id="{CC8A51E9-DFD9-4F5D-99A6-75DB9683B54E}" type="slidenum">
               <a:t>&lt;#&gt;</a:t>
             </a:fld>
           </a:p>
@@ -3469,7 +3469,7 @@
         <p:txBody>
           <a:bodyPr/>
           <a:p>
-            <a:fld id="{E4203D2D-8EB5-4259-9C99-16573FE637DC}" type="slidenum">
+            <a:fld id="{7BA26B00-7593-43F7-97F7-DCC8ACC38C14}" type="slidenum">
               <a:t>&lt;#&gt;</a:t>
             </a:fld>
           </a:p>
@@ -3657,7 +3657,7 @@
         <p:txBody>
           <a:bodyPr/>
           <a:p>
-            <a:fld id="{60BF7012-1060-437C-98DD-DC89100A8E6F}" type="slidenum">
+            <a:fld id="{F5F586B0-FC4E-4A49-A4DA-A5693F718A47}" type="slidenum">
               <a:t>&lt;#&gt;</a:t>
             </a:fld>
           </a:p>
@@ -3777,7 +3777,7 @@
         <p:txBody>
           <a:bodyPr/>
           <a:p>
-            <a:fld id="{04DD93A6-1429-4C6B-8EEB-A0012966EF89}" type="slidenum">
+            <a:fld id="{361CB447-4EC3-4ECE-80AF-9C3D1A318B3A}" type="slidenum">
               <a:t>&lt;#&gt;</a:t>
             </a:fld>
           </a:p>
@@ -3897,7 +3897,7 @@
         <p:txBody>
           <a:bodyPr/>
           <a:p>
-            <a:fld id="{FFBAF70F-6E93-4C23-BD42-43121C9C5F15}" type="slidenum">
+            <a:fld id="{F30CABD6-026E-45E4-80D9-5CF3CE3266A9}" type="slidenum">
               <a:t>&lt;#&gt;</a:t>
             </a:fld>
           </a:p>
@@ -4119,7 +4119,7 @@
         <p:txBody>
           <a:bodyPr/>
           <a:p>
-            <a:fld id="{918C4933-0544-4DF7-AA5C-467E33A6EB98}" type="slidenum">
+            <a:fld id="{23AB5E16-7509-4DDD-86F2-4C5940B9AE56}" type="slidenum">
               <a:t>&lt;#&gt;</a:t>
             </a:fld>
           </a:p>
@@ -4341,7 +4341,7 @@
         <p:txBody>
           <a:bodyPr/>
           <a:p>
-            <a:fld id="{71C8A46C-305B-4BA3-BAE9-29D7BAF24F30}" type="slidenum">
+            <a:fld id="{616095A1-1194-4A86-B4AA-AC97A1818950}" type="slidenum">
               <a:t>&lt;#&gt;</a:t>
             </a:fld>
           </a:p>
@@ -4563,7 +4563,7 @@
         <p:txBody>
           <a:bodyPr/>
           <a:p>
-            <a:fld id="{027DCBAB-4B28-4612-911B-BF8418E9C76C}" type="slidenum">
+            <a:fld id="{72B9AE0A-BD25-4BF7-A63C-09B586D029A0}" type="slidenum">
               <a:t>&lt;#&gt;</a:t>
             </a:fld>
           </a:p>
@@ -4632,7 +4632,7 @@
         <p:spPr>
           <a:xfrm>
             <a:off x="3028680" y="4771440"/>
-            <a:ext cx="3083760" cy="271800"/>
+            <a:ext cx="3083400" cy="271440"/>
           </a:xfrm>
           <a:prstGeom prst="rect">
             <a:avLst/>
@@ -4697,7 +4697,7 @@
         <p:spPr>
           <a:xfrm>
             <a:off x="6457680" y="4771440"/>
-            <a:ext cx="2055240" cy="271800"/>
+            <a:ext cx="2054880" cy="271440"/>
           </a:xfrm>
           <a:prstGeom prst="rect">
             <a:avLst/>
@@ -4733,7 +4733,7 @@
               </a:lnSpc>
               <a:buNone/>
             </a:pPr>
-            <a:fld id="{02E8EC54-54F7-4EC1-B660-113C4EAD7349}" type="slidenum">
+            <a:fld id="{79B3A168-4B90-46B6-8178-F7E5B9424391}" type="slidenum">
               <a:rPr b="0" lang="en-US" sz="1200" spc="-1" strike="noStrike">
                 <a:solidFill>
                   <a:srgbClr val="8b8b8b"/>
@@ -4762,7 +4762,7 @@
         <p:spPr>
           <a:xfrm>
             <a:off x="628200" y="4771440"/>
-            <a:ext cx="2055240" cy="271800"/>
+            <a:ext cx="2054880" cy="271440"/>
           </a:xfrm>
           <a:prstGeom prst="rect">
             <a:avLst/>
@@ -5074,8 +5074,8 @@
         </p:nvSpPr>
         <p:spPr>
           <a:xfrm rot="2744400">
-            <a:off x="-282600" y="-25920"/>
-            <a:ext cx="705960" cy="705600"/>
+            <a:off x="-282240" y="-25920"/>
+            <a:ext cx="705600" cy="705240"/>
           </a:xfrm>
           <a:prstGeom prst="roundRect">
             <a:avLst>
@@ -5112,8 +5112,8 @@
         </p:nvSpPr>
         <p:spPr>
           <a:xfrm rot="2625600">
-            <a:off x="6024960" y="4334040"/>
-            <a:ext cx="469800" cy="469800"/>
+            <a:off x="6024960" y="4333680"/>
+            <a:ext cx="469440" cy="469440"/>
           </a:xfrm>
           <a:prstGeom prst="roundRect">
             <a:avLst>
@@ -5151,7 +5151,7 @@
         <p:spPr>
           <a:xfrm rot="18679200">
             <a:off x="7004880" y="948600"/>
-            <a:ext cx="4941360" cy="4667760"/>
+            <a:ext cx="4941000" cy="4667400"/>
           </a:xfrm>
           <a:prstGeom prst="roundRect">
             <a:avLst>
@@ -5189,7 +5189,7 @@
         <p:spPr>
           <a:xfrm>
             <a:off x="459720" y="4671360"/>
-            <a:ext cx="2997000" cy="267840"/>
+            <a:ext cx="2996640" cy="267480"/>
           </a:xfrm>
           <a:prstGeom prst="rect">
             <a:avLst/>
@@ -5254,8 +5254,8 @@
         </p:blipFill>
         <p:spPr>
           <a:xfrm>
-            <a:off x="2423160" y="4671720"/>
-            <a:ext cx="289440" cy="289440"/>
+            <a:off x="2971800" y="4740120"/>
+            <a:ext cx="289080" cy="289080"/>
           </a:xfrm>
           <a:prstGeom prst="rect">
             <a:avLst/>
@@ -5274,7 +5274,7 @@
         <p:spPr>
           <a:xfrm>
             <a:off x="484920" y="1681560"/>
-            <a:ext cx="5482440" cy="1883880"/>
+            <a:ext cx="5482080" cy="1883520"/>
           </a:xfrm>
           <a:prstGeom prst="rect">
             <a:avLst/>
@@ -5362,8 +5362,8 @@
         </p:nvSpPr>
         <p:spPr>
           <a:xfrm rot="2744400">
-            <a:off x="-282600" y="-25920"/>
-            <a:ext cx="705960" cy="705600"/>
+            <a:off x="-282240" y="-25920"/>
+            <a:ext cx="705600" cy="705240"/>
           </a:xfrm>
           <a:prstGeom prst="roundRect">
             <a:avLst>
@@ -5401,7 +5401,7 @@
         <p:spPr>
           <a:xfrm rot="2332200">
             <a:off x="6009480" y="-320040"/>
-            <a:ext cx="4857120" cy="7728120"/>
+            <a:ext cx="4856760" cy="7727760"/>
           </a:xfrm>
           <a:prstGeom prst="roundRect">
             <a:avLst>
@@ -5439,9 +5439,9 @@
         <p:grpSpPr>
           <a:xfrm>
             <a:off x="4571640" y="828000"/>
-            <a:ext cx="4469760" cy="3565800"/>
+            <a:ext cx="4469400" cy="3565440"/>
             <a:chOff x="4571640" y="828000"/>
-            <a:chExt cx="4469760" cy="3565800"/>
+            <a:chExt cx="4469400" cy="3565440"/>
           </a:xfrm>
         </p:grpSpPr>
         <p:pic>
@@ -5457,7 +5457,7 @@
           <p:spPr>
             <a:xfrm>
               <a:off x="4571640" y="828000"/>
-              <a:ext cx="4469760" cy="3565800"/>
+              <a:ext cx="4469400" cy="3565440"/>
             </a:xfrm>
             <a:prstGeom prst="rect">
               <a:avLst/>
@@ -5475,8 +5475,8 @@
           </p:nvSpPr>
           <p:spPr>
             <a:xfrm rot="16200000">
-              <a:off x="5962680" y="1157400"/>
-              <a:ext cx="1738800" cy="2772720"/>
+              <a:off x="5962680" y="1157760"/>
+              <a:ext cx="1738440" cy="2772360"/>
             </a:xfrm>
             <a:prstGeom prst="roundRect">
               <a:avLst>
@@ -5543,7 +5543,7 @@
         <p:spPr>
           <a:xfrm>
             <a:off x="5446080" y="1672200"/>
-            <a:ext cx="2772360" cy="1738800"/>
+            <a:ext cx="2772000" cy="1738440"/>
           </a:xfrm>
           <a:prstGeom prst="rect">
             <a:avLst/>
@@ -5595,7 +5595,7 @@
         <p:spPr>
           <a:xfrm>
             <a:off x="586440" y="1246680"/>
-            <a:ext cx="4005720" cy="3601440"/>
+            <a:ext cx="4005360" cy="3601080"/>
           </a:xfrm>
           <a:prstGeom prst="rect">
             <a:avLst/>
@@ -5647,7 +5647,7 @@
         <p:spPr>
           <a:xfrm>
             <a:off x="586440" y="453960"/>
-            <a:ext cx="4765680" cy="856800"/>
+            <a:ext cx="4765320" cy="856440"/>
           </a:xfrm>
           <a:prstGeom prst="rect">
             <a:avLst/>
@@ -5736,7 +5736,7 @@
         <p:spPr>
           <a:xfrm rot="2745600">
             <a:off x="8349840" y="-668520"/>
-            <a:ext cx="1499760" cy="1499760"/>
+            <a:ext cx="1499400" cy="1499400"/>
           </a:xfrm>
           <a:prstGeom prst="roundRect">
             <a:avLst>
@@ -5774,7 +5774,7 @@
         <p:spPr>
           <a:xfrm rot="2745600">
             <a:off x="7634160" y="-322920"/>
-            <a:ext cx="808560" cy="808920"/>
+            <a:ext cx="808200" cy="808560"/>
           </a:xfrm>
           <a:prstGeom prst="roundRect">
             <a:avLst>
@@ -5813,7 +5813,7 @@
         <p:spPr>
           <a:xfrm>
             <a:off x="586440" y="899640"/>
-            <a:ext cx="7933320" cy="1538640"/>
+            <a:ext cx="7932960" cy="1538280"/>
           </a:xfrm>
           <a:prstGeom prst="rect">
             <a:avLst/>
@@ -5865,7 +5865,7 @@
         <p:spPr>
           <a:xfrm>
             <a:off x="608040" y="2545560"/>
-            <a:ext cx="3713760" cy="2257200"/>
+            <a:ext cx="3713400" cy="2256840"/>
           </a:xfrm>
           <a:prstGeom prst="rect">
             <a:avLst/>
@@ -5917,7 +5917,7 @@
         <p:spPr>
           <a:xfrm>
             <a:off x="4806360" y="2545560"/>
-            <a:ext cx="3713760" cy="2257200"/>
+            <a:ext cx="3713400" cy="2256840"/>
           </a:xfrm>
           <a:prstGeom prst="rect">
             <a:avLst/>
@@ -5969,7 +5969,7 @@
         <p:spPr>
           <a:xfrm>
             <a:off x="583200" y="450720"/>
-            <a:ext cx="7199640" cy="513720"/>
+            <a:ext cx="7199280" cy="513360"/>
           </a:xfrm>
           <a:prstGeom prst="rect">
             <a:avLst/>
@@ -6051,7 +6051,7 @@
         <p:spPr>
           <a:xfrm>
             <a:off x="586440" y="1246680"/>
-            <a:ext cx="4005720" cy="3601440"/>
+            <a:ext cx="4005360" cy="3601080"/>
           </a:xfrm>
           <a:prstGeom prst="rect">
             <a:avLst/>
@@ -6103,7 +6103,7 @@
         <p:spPr>
           <a:xfrm>
             <a:off x="559800" y="446040"/>
-            <a:ext cx="4285080" cy="685080"/>
+            <a:ext cx="4284720" cy="684720"/>
           </a:xfrm>
           <a:prstGeom prst="rect">
             <a:avLst/>
@@ -6155,7 +6155,7 @@
         <p:spPr>
           <a:xfrm>
             <a:off x="5097600" y="360"/>
-            <a:ext cx="4381200" cy="5145480"/>
+            <a:ext cx="4380840" cy="5145120"/>
           </a:xfrm>
           <a:prstGeom prst="roundRect">
             <a:avLst>
@@ -6220,8 +6220,8 @@
         </p:nvSpPr>
         <p:spPr>
           <a:xfrm rot="2744400">
-            <a:off x="-282600" y="-25920"/>
-            <a:ext cx="705960" cy="705600"/>
+            <a:off x="-282240" y="-25920"/>
+            <a:ext cx="705600" cy="705240"/>
           </a:xfrm>
           <a:prstGeom prst="roundRect">
             <a:avLst>
@@ -6258,8 +6258,8 @@
         </p:nvSpPr>
         <p:spPr>
           <a:xfrm rot="2625600">
-            <a:off x="4861080" y="4147920"/>
-            <a:ext cx="469800" cy="469800"/>
+            <a:off x="4861080" y="4147560"/>
+            <a:ext cx="469440" cy="469440"/>
           </a:xfrm>
           <a:prstGeom prst="roundRect">
             <a:avLst>
@@ -6333,8 +6333,8 @@
         </p:nvSpPr>
         <p:spPr>
           <a:xfrm rot="2744400">
-            <a:off x="-351720" y="4541400"/>
-            <a:ext cx="705960" cy="705600"/>
+            <a:off x="-351360" y="4541040"/>
+            <a:ext cx="705600" cy="705240"/>
           </a:xfrm>
           <a:prstGeom prst="roundRect">
             <a:avLst>
@@ -6371,8 +6371,8 @@
         </p:nvSpPr>
         <p:spPr>
           <a:xfrm rot="19228200">
-            <a:off x="5847480" y="-2268000"/>
-            <a:ext cx="4856760" cy="7727760"/>
+            <a:off x="5847120" y="-2267640"/>
+            <a:ext cx="4856400" cy="7727400"/>
           </a:xfrm>
           <a:prstGeom prst="roundRect">
             <a:avLst>
@@ -6410,9 +6410,9 @@
         <p:grpSpPr>
           <a:xfrm>
             <a:off x="4571640" y="828000"/>
-            <a:ext cx="4469760" cy="3565800"/>
+            <a:ext cx="4469400" cy="3565440"/>
             <a:chOff x="4571640" y="828000"/>
-            <a:chExt cx="4469760" cy="3565800"/>
+            <a:chExt cx="4469400" cy="3565440"/>
           </a:xfrm>
         </p:grpSpPr>
         <p:pic>
@@ -6428,7 +6428,7 @@
           <p:spPr>
             <a:xfrm>
               <a:off x="4571640" y="828000"/>
-              <a:ext cx="4469760" cy="3565800"/>
+              <a:ext cx="4469400" cy="3565440"/>
             </a:xfrm>
             <a:prstGeom prst="rect">
               <a:avLst/>
@@ -6446,8 +6446,8 @@
           </p:nvSpPr>
           <p:spPr>
             <a:xfrm rot="16200000">
-              <a:off x="5962680" y="1157400"/>
-              <a:ext cx="1738800" cy="2772720"/>
+              <a:off x="5962680" y="1157760"/>
+              <a:ext cx="1738440" cy="2772360"/>
             </a:xfrm>
             <a:prstGeom prst="roundRect">
               <a:avLst>
@@ -6514,7 +6514,7 @@
         <p:spPr>
           <a:xfrm>
             <a:off x="586440" y="1246680"/>
-            <a:ext cx="4005720" cy="3601440"/>
+            <a:ext cx="4005360" cy="3601080"/>
           </a:xfrm>
           <a:prstGeom prst="rect">
             <a:avLst/>
@@ -6566,7 +6566,7 @@
         <p:spPr>
           <a:xfrm>
             <a:off x="5446080" y="1672200"/>
-            <a:ext cx="2781720" cy="1738800"/>
+            <a:ext cx="2781360" cy="1738440"/>
           </a:xfrm>
           <a:prstGeom prst="rect">
             <a:avLst/>
@@ -6618,7 +6618,7 @@
         <p:spPr>
           <a:xfrm>
             <a:off x="586440" y="453960"/>
-            <a:ext cx="3698280" cy="856800"/>
+            <a:ext cx="3697920" cy="856440"/>
           </a:xfrm>
           <a:prstGeom prst="rect">
             <a:avLst/>
@@ -6706,8 +6706,8 @@
         </p:nvSpPr>
         <p:spPr>
           <a:xfrm rot="2744400">
-            <a:off x="-282600" y="-25920"/>
-            <a:ext cx="705960" cy="705600"/>
+            <a:off x="-282240" y="-25920"/>
+            <a:ext cx="705600" cy="705240"/>
           </a:xfrm>
           <a:prstGeom prst="roundRect">
             <a:avLst>
@@ -6745,7 +6745,7 @@
         <p:spPr>
           <a:xfrm>
             <a:off x="569160" y="1888920"/>
-            <a:ext cx="4822560" cy="820800"/>
+            <a:ext cx="4822200" cy="820800"/>
           </a:xfrm>
           <a:prstGeom prst="rect">
             <a:avLst/>
@@ -6797,7 +6797,7 @@
         <p:spPr>
           <a:xfrm rot="18679800">
             <a:off x="6783120" y="457560"/>
-            <a:ext cx="6252120" cy="4667760"/>
+            <a:ext cx="6251760" cy="4667400"/>
           </a:xfrm>
           <a:prstGeom prst="roundRect">
             <a:avLst>
@@ -6834,8 +6834,8 @@
         </p:nvSpPr>
         <p:spPr>
           <a:xfrm rot="2625600">
-            <a:off x="6024960" y="4334040"/>
-            <a:ext cx="469800" cy="469800"/>
+            <a:off x="6024960" y="4333680"/>
+            <a:ext cx="469440" cy="469440"/>
           </a:xfrm>
           <a:prstGeom prst="roundRect">
             <a:avLst>
@@ -6873,7 +6873,7 @@
         <p:spPr>
           <a:xfrm>
             <a:off x="1640880" y="4592880"/>
-            <a:ext cx="2997000" cy="267840"/>
+            <a:ext cx="2996640" cy="267480"/>
           </a:xfrm>
           <a:prstGeom prst="rect">
             <a:avLst/>
@@ -6935,7 +6935,7 @@
         <p:spPr>
           <a:xfrm>
             <a:off x="867240" y="3590280"/>
-            <a:ext cx="254880" cy="255240"/>
+            <a:ext cx="254520" cy="254880"/>
           </a:xfrm>
           <a:prstGeom prst="ellipse">
             <a:avLst/>
@@ -6970,7 +6970,7 @@
         <p:spPr>
           <a:xfrm>
             <a:off x="351000" y="3793320"/>
-            <a:ext cx="1287360" cy="1132920"/>
+            <a:ext cx="1287000" cy="1132560"/>
           </a:xfrm>
           <a:prstGeom prst="rect">
             <a:avLst/>
@@ -7019,7 +7019,7 @@
         <p:spPr>
           <a:xfrm>
             <a:off x="586440" y="1246680"/>
-            <a:ext cx="4005720" cy="3601440"/>
+            <a:ext cx="4005360" cy="3601080"/>
           </a:xfrm>
           <a:prstGeom prst="rect">
             <a:avLst/>
@@ -7071,7 +7071,7 @@
         <p:spPr>
           <a:xfrm>
             <a:off x="559800" y="446040"/>
-            <a:ext cx="4285080" cy="685080"/>
+            <a:ext cx="4284720" cy="684720"/>
           </a:xfrm>
           <a:prstGeom prst="rect">
             <a:avLst/>
@@ -7123,7 +7123,7 @@
         <p:spPr>
           <a:xfrm>
             <a:off x="5097600" y="360"/>
-            <a:ext cx="4381200" cy="5145480"/>
+            <a:ext cx="4380840" cy="5145120"/>
           </a:xfrm>
           <a:prstGeom prst="roundRect">
             <a:avLst>
@@ -7188,8 +7188,8 @@
         </p:nvSpPr>
         <p:spPr>
           <a:xfrm rot="2744400">
-            <a:off x="-282600" y="-25920"/>
-            <a:ext cx="705960" cy="705600"/>
+            <a:off x="-282240" y="-25920"/>
+            <a:ext cx="705600" cy="705240"/>
           </a:xfrm>
           <a:prstGeom prst="roundRect">
             <a:avLst>
@@ -7226,8 +7226,8 @@
         </p:nvSpPr>
         <p:spPr>
           <a:xfrm rot="2625600">
-            <a:off x="4861080" y="4147920"/>
-            <a:ext cx="469800" cy="469800"/>
+            <a:off x="4861080" y="4147560"/>
+            <a:ext cx="469440" cy="469440"/>
           </a:xfrm>
           <a:prstGeom prst="roundRect">
             <a:avLst>
@@ -7301,8 +7301,8 @@
         </p:nvSpPr>
         <p:spPr>
           <a:xfrm rot="2744400">
-            <a:off x="-351720" y="4541400"/>
-            <a:ext cx="705960" cy="705600"/>
+            <a:off x="-351360" y="4541040"/>
+            <a:ext cx="705600" cy="705240"/>
           </a:xfrm>
           <a:prstGeom prst="roundRect">
             <a:avLst>
@@ -7339,8 +7339,8 @@
         </p:nvSpPr>
         <p:spPr>
           <a:xfrm rot="19228200">
-            <a:off x="5847480" y="-2268000"/>
-            <a:ext cx="4856760" cy="7727760"/>
+            <a:off x="5847120" y="-2267640"/>
+            <a:ext cx="4856400" cy="7727400"/>
           </a:xfrm>
           <a:prstGeom prst="roundRect">
             <a:avLst>
@@ -7378,9 +7378,9 @@
         <p:grpSpPr>
           <a:xfrm>
             <a:off x="4571640" y="828000"/>
-            <a:ext cx="4469760" cy="3565800"/>
+            <a:ext cx="4469400" cy="3565440"/>
             <a:chOff x="4571640" y="828000"/>
-            <a:chExt cx="4469760" cy="3565800"/>
+            <a:chExt cx="4469400" cy="3565440"/>
           </a:xfrm>
         </p:grpSpPr>
         <p:pic>
@@ -7396,7 +7396,7 @@
           <p:spPr>
             <a:xfrm>
               <a:off x="4571640" y="828000"/>
-              <a:ext cx="4469760" cy="3565800"/>
+              <a:ext cx="4469400" cy="3565440"/>
             </a:xfrm>
             <a:prstGeom prst="rect">
               <a:avLst/>
@@ -7414,8 +7414,8 @@
           </p:nvSpPr>
           <p:spPr>
             <a:xfrm rot="16200000">
-              <a:off x="5962680" y="1157400"/>
-              <a:ext cx="1738800" cy="2772720"/>
+              <a:off x="5962680" y="1157760"/>
+              <a:ext cx="1738440" cy="2772360"/>
             </a:xfrm>
             <a:prstGeom prst="roundRect">
               <a:avLst>
@@ -7482,7 +7482,7 @@
         <p:spPr>
           <a:xfrm>
             <a:off x="586440" y="1246680"/>
-            <a:ext cx="4005720" cy="3601440"/>
+            <a:ext cx="4005360" cy="3601080"/>
           </a:xfrm>
           <a:prstGeom prst="rect">
             <a:avLst/>
@@ -7534,7 +7534,7 @@
         <p:spPr>
           <a:xfrm>
             <a:off x="5446080" y="1672200"/>
-            <a:ext cx="2781720" cy="1738800"/>
+            <a:ext cx="2781360" cy="1738440"/>
           </a:xfrm>
           <a:prstGeom prst="rect">
             <a:avLst/>
@@ -7586,7 +7586,7 @@
         <p:spPr>
           <a:xfrm>
             <a:off x="586440" y="453960"/>
-            <a:ext cx="3698280" cy="856800"/>
+            <a:ext cx="3697920" cy="856440"/>
           </a:xfrm>
           <a:prstGeom prst="rect">
             <a:avLst/>
@@ -7675,7 +7675,7 @@
         <p:spPr>
           <a:xfrm>
             <a:off x="4222080" y="1246680"/>
-            <a:ext cx="4116600" cy="3601440"/>
+            <a:ext cx="4116240" cy="3601080"/>
           </a:xfrm>
           <a:prstGeom prst="rect">
             <a:avLst/>
@@ -7726,8 +7726,8 @@
         </p:nvSpPr>
         <p:spPr>
           <a:xfrm rot="16200000">
-            <a:off x="-2181600" y="1731960"/>
-            <a:ext cx="5145480" cy="1685520"/>
+            <a:off x="-2181600" y="1732320"/>
+            <a:ext cx="5145120" cy="1685160"/>
           </a:xfrm>
           <a:prstGeom prst="roundRect">
             <a:avLst>
@@ -7765,7 +7765,7 @@
         <p:spPr>
           <a:xfrm rot="2745000">
             <a:off x="8575200" y="104760"/>
-            <a:ext cx="1134000" cy="1133640"/>
+            <a:ext cx="1133640" cy="1133280"/>
           </a:xfrm>
           <a:prstGeom prst="roundRect">
             <a:avLst>
@@ -7802,8 +7802,8 @@
         </p:nvSpPr>
         <p:spPr>
           <a:xfrm rot="16200000">
-            <a:off x="614880" y="917280"/>
-            <a:ext cx="3233520" cy="3315240"/>
+            <a:off x="614880" y="917640"/>
+            <a:ext cx="3233160" cy="3314880"/>
           </a:xfrm>
           <a:prstGeom prst="roundRect">
             <a:avLst>
@@ -7869,7 +7869,7 @@
         <p:spPr>
           <a:xfrm>
             <a:off x="4214160" y="456120"/>
-            <a:ext cx="4113360" cy="856800"/>
+            <a:ext cx="4113000" cy="856440"/>
           </a:xfrm>
           <a:prstGeom prst="rect">
             <a:avLst/>
@@ -7957,8 +7957,8 @@
         </p:nvSpPr>
         <p:spPr>
           <a:xfrm rot="2744400">
-            <a:off x="-282600" y="-25920"/>
-            <a:ext cx="705960" cy="705600"/>
+            <a:off x="-282240" y="-25920"/>
+            <a:ext cx="705600" cy="705240"/>
           </a:xfrm>
           <a:prstGeom prst="roundRect">
             <a:avLst>
@@ -7996,7 +7996,7 @@
         <p:spPr>
           <a:xfrm rot="2332200">
             <a:off x="6009480" y="-320040"/>
-            <a:ext cx="4857120" cy="7728120"/>
+            <a:ext cx="4856760" cy="7727760"/>
           </a:xfrm>
           <a:prstGeom prst="roundRect">
             <a:avLst>
@@ -8034,9 +8034,9 @@
         <p:grpSpPr>
           <a:xfrm>
             <a:off x="4571640" y="828000"/>
-            <a:ext cx="4469760" cy="3565800"/>
+            <a:ext cx="4469400" cy="3565440"/>
             <a:chOff x="4571640" y="828000"/>
-            <a:chExt cx="4469760" cy="3565800"/>
+            <a:chExt cx="4469400" cy="3565440"/>
           </a:xfrm>
         </p:grpSpPr>
         <p:pic>
@@ -8052,7 +8052,7 @@
           <p:spPr>
             <a:xfrm>
               <a:off x="4571640" y="828000"/>
-              <a:ext cx="4469760" cy="3565800"/>
+              <a:ext cx="4469400" cy="3565440"/>
             </a:xfrm>
             <a:prstGeom prst="rect">
               <a:avLst/>
@@ -8070,8 +8070,8 @@
           </p:nvSpPr>
           <p:spPr>
             <a:xfrm rot="16200000">
-              <a:off x="5962680" y="1157400"/>
-              <a:ext cx="1738800" cy="2772720"/>
+              <a:off x="5962680" y="1157760"/>
+              <a:ext cx="1738440" cy="2772360"/>
             </a:xfrm>
             <a:prstGeom prst="roundRect">
               <a:avLst>
@@ -8138,7 +8138,7 @@
         <p:spPr>
           <a:xfrm>
             <a:off x="5446080" y="1672200"/>
-            <a:ext cx="2772360" cy="1738800"/>
+            <a:ext cx="2772000" cy="1738440"/>
           </a:xfrm>
           <a:prstGeom prst="rect">
             <a:avLst/>
@@ -8190,7 +8190,7 @@
         <p:spPr>
           <a:xfrm>
             <a:off x="586440" y="1246680"/>
-            <a:ext cx="4005720" cy="3601440"/>
+            <a:ext cx="4005360" cy="3601080"/>
           </a:xfrm>
           <a:prstGeom prst="rect">
             <a:avLst/>
@@ -8242,7 +8242,7 @@
         <p:spPr>
           <a:xfrm>
             <a:off x="586440" y="453960"/>
-            <a:ext cx="4765680" cy="856800"/>
+            <a:ext cx="4765320" cy="856440"/>
           </a:xfrm>
           <a:prstGeom prst="rect">
             <a:avLst/>
@@ -8331,7 +8331,7 @@
         <p:spPr>
           <a:xfrm rot="2745600">
             <a:off x="8349840" y="-668520"/>
-            <a:ext cx="1499760" cy="1499760"/>
+            <a:ext cx="1499400" cy="1499400"/>
           </a:xfrm>
           <a:prstGeom prst="roundRect">
             <a:avLst>
@@ -8369,7 +8369,7 @@
         <p:spPr>
           <a:xfrm rot="2745600">
             <a:off x="7634160" y="-322920"/>
-            <a:ext cx="808560" cy="808920"/>
+            <a:ext cx="808200" cy="808560"/>
           </a:xfrm>
           <a:prstGeom prst="roundRect">
             <a:avLst>
@@ -8408,7 +8408,7 @@
         <p:spPr>
           <a:xfrm>
             <a:off x="586440" y="899640"/>
-            <a:ext cx="7933320" cy="1538640"/>
+            <a:ext cx="7932960" cy="1538280"/>
           </a:xfrm>
           <a:prstGeom prst="rect">
             <a:avLst/>
@@ -8460,7 +8460,7 @@
         <p:spPr>
           <a:xfrm>
             <a:off x="608040" y="2545560"/>
-            <a:ext cx="3713760" cy="2257200"/>
+            <a:ext cx="3713400" cy="2256840"/>
           </a:xfrm>
           <a:prstGeom prst="rect">
             <a:avLst/>
@@ -8512,7 +8512,7 @@
         <p:spPr>
           <a:xfrm>
             <a:off x="4806360" y="2545560"/>
-            <a:ext cx="3713760" cy="2257200"/>
+            <a:ext cx="3713400" cy="2256840"/>
           </a:xfrm>
           <a:prstGeom prst="rect">
             <a:avLst/>
@@ -8564,7 +8564,7 @@
         <p:spPr>
           <a:xfrm>
             <a:off x="583200" y="450720"/>
-            <a:ext cx="7199640" cy="513720"/>
+            <a:ext cx="7199280" cy="513360"/>
           </a:xfrm>
           <a:prstGeom prst="rect">
             <a:avLst/>
@@ -8646,7 +8646,7 @@
         <p:spPr>
           <a:xfrm>
             <a:off x="586440" y="1246680"/>
-            <a:ext cx="4005720" cy="3601440"/>
+            <a:ext cx="4005360" cy="3601080"/>
           </a:xfrm>
           <a:prstGeom prst="rect">
             <a:avLst/>
@@ -8698,7 +8698,7 @@
         <p:spPr>
           <a:xfrm>
             <a:off x="559800" y="446040"/>
-            <a:ext cx="4285080" cy="685080"/>
+            <a:ext cx="4284720" cy="684720"/>
           </a:xfrm>
           <a:prstGeom prst="rect">
             <a:avLst/>
@@ -8750,7 +8750,7 @@
         <p:spPr>
           <a:xfrm>
             <a:off x="5097600" y="360"/>
-            <a:ext cx="4381200" cy="5145480"/>
+            <a:ext cx="4380840" cy="5145120"/>
           </a:xfrm>
           <a:prstGeom prst="roundRect">
             <a:avLst>
@@ -8815,8 +8815,8 @@
         </p:nvSpPr>
         <p:spPr>
           <a:xfrm rot="2744400">
-            <a:off x="-282600" y="-25920"/>
-            <a:ext cx="705960" cy="705600"/>
+            <a:off x="-282240" y="-25920"/>
+            <a:ext cx="705600" cy="705240"/>
           </a:xfrm>
           <a:prstGeom prst="roundRect">
             <a:avLst>
@@ -8853,8 +8853,8 @@
         </p:nvSpPr>
         <p:spPr>
           <a:xfrm rot="2625600">
-            <a:off x="4861080" y="4147920"/>
-            <a:ext cx="469800" cy="469800"/>
+            <a:off x="4861080" y="4147560"/>
+            <a:ext cx="469440" cy="469440"/>
           </a:xfrm>
           <a:prstGeom prst="roundRect">
             <a:avLst>
@@ -8928,8 +8928,8 @@
         </p:nvSpPr>
         <p:spPr>
           <a:xfrm rot="2744400">
-            <a:off x="-351720" y="4541400"/>
-            <a:ext cx="705960" cy="705600"/>
+            <a:off x="-351360" y="4541040"/>
+            <a:ext cx="705600" cy="705240"/>
           </a:xfrm>
           <a:prstGeom prst="roundRect">
             <a:avLst>
@@ -8966,8 +8966,8 @@
         </p:nvSpPr>
         <p:spPr>
           <a:xfrm rot="19228200">
-            <a:off x="5847480" y="-2268000"/>
-            <a:ext cx="4856760" cy="7727760"/>
+            <a:off x="5847120" y="-2267640"/>
+            <a:ext cx="4856400" cy="7727400"/>
           </a:xfrm>
           <a:prstGeom prst="roundRect">
             <a:avLst>
@@ -9005,9 +9005,9 @@
         <p:grpSpPr>
           <a:xfrm>
             <a:off x="4571640" y="828000"/>
-            <a:ext cx="4469760" cy="3565800"/>
+            <a:ext cx="4469400" cy="3565440"/>
             <a:chOff x="4571640" y="828000"/>
-            <a:chExt cx="4469760" cy="3565800"/>
+            <a:chExt cx="4469400" cy="3565440"/>
           </a:xfrm>
         </p:grpSpPr>
         <p:pic>
@@ -9023,7 +9023,7 @@
           <p:spPr>
             <a:xfrm>
               <a:off x="4571640" y="828000"/>
-              <a:ext cx="4469760" cy="3565800"/>
+              <a:ext cx="4469400" cy="3565440"/>
             </a:xfrm>
             <a:prstGeom prst="rect">
               <a:avLst/>
@@ -9041,8 +9041,8 @@
           </p:nvSpPr>
           <p:spPr>
             <a:xfrm rot="16200000">
-              <a:off x="5962680" y="1157400"/>
-              <a:ext cx="1738800" cy="2772720"/>
+              <a:off x="5962680" y="1157760"/>
+              <a:ext cx="1738440" cy="2772360"/>
             </a:xfrm>
             <a:prstGeom prst="roundRect">
               <a:avLst>
@@ -9109,7 +9109,7 @@
         <p:spPr>
           <a:xfrm>
             <a:off x="586440" y="1246680"/>
-            <a:ext cx="4005720" cy="3601440"/>
+            <a:ext cx="4005360" cy="3601080"/>
           </a:xfrm>
           <a:prstGeom prst="rect">
             <a:avLst/>
@@ -9161,7 +9161,7 @@
         <p:spPr>
           <a:xfrm>
             <a:off x="5446080" y="1672200"/>
-            <a:ext cx="2781720" cy="1738800"/>
+            <a:ext cx="2781360" cy="1738440"/>
           </a:xfrm>
           <a:prstGeom prst="rect">
             <a:avLst/>
@@ -9213,7 +9213,7 @@
         <p:spPr>
           <a:xfrm>
             <a:off x="586440" y="453960"/>
-            <a:ext cx="3698280" cy="856800"/>
+            <a:ext cx="3697920" cy="856440"/>
           </a:xfrm>
           <a:prstGeom prst="rect">
             <a:avLst/>
@@ -9302,7 +9302,7 @@
         <p:spPr>
           <a:xfrm>
             <a:off x="4222080" y="1246680"/>
-            <a:ext cx="4116600" cy="3601440"/>
+            <a:ext cx="4116240" cy="3601080"/>
           </a:xfrm>
           <a:prstGeom prst="rect">
             <a:avLst/>
@@ -9353,8 +9353,8 @@
         </p:nvSpPr>
         <p:spPr>
           <a:xfrm rot="16200000">
-            <a:off x="-2181600" y="1731960"/>
-            <a:ext cx="5145480" cy="1685520"/>
+            <a:off x="-2181600" y="1732320"/>
+            <a:ext cx="5145120" cy="1685160"/>
           </a:xfrm>
           <a:prstGeom prst="roundRect">
             <a:avLst>
@@ -9392,7 +9392,7 @@
         <p:spPr>
           <a:xfrm rot="2745000">
             <a:off x="8575200" y="104760"/>
-            <a:ext cx="1134000" cy="1133640"/>
+            <a:ext cx="1133640" cy="1133280"/>
           </a:xfrm>
           <a:prstGeom prst="roundRect">
             <a:avLst>
@@ -9429,8 +9429,8 @@
         </p:nvSpPr>
         <p:spPr>
           <a:xfrm rot="16200000">
-            <a:off x="614880" y="917280"/>
-            <a:ext cx="3233520" cy="3315240"/>
+            <a:off x="614880" y="917640"/>
+            <a:ext cx="3233160" cy="3314880"/>
           </a:xfrm>
           <a:prstGeom prst="roundRect">
             <a:avLst>
@@ -9496,7 +9496,7 @@
         <p:spPr>
           <a:xfrm>
             <a:off x="4214160" y="456120"/>
-            <a:ext cx="4113360" cy="856800"/>
+            <a:ext cx="4113000" cy="856440"/>
           </a:xfrm>
           <a:prstGeom prst="rect">
             <a:avLst/>
